--- a/DGS-GraphQL.pptx
+++ b/DGS-GraphQL.pptx
@@ -6,9 +6,9 @@
   </p:sldMasterIdLst>
   <p:sldIdLst>
     <p:sldId id="256" r:id="rId2"/>
-    <p:sldId id="260" r:id="rId3"/>
-    <p:sldId id="257" r:id="rId4"/>
-    <p:sldId id="259" r:id="rId5"/>
+    <p:sldId id="257" r:id="rId3"/>
+    <p:sldId id="259" r:id="rId4"/>
+    <p:sldId id="260" r:id="rId5"/>
   </p:sldIdLst>
   <p:sldSz cx="12192000" cy="6858000"/>
   <p:notesSz cx="6858000" cy="9144000"/>
@@ -306,7 +306,7 @@
           <a:p>
             <a:fld id="{2416D638-647D-4E11-8473-B8949EEA528F}" type="datetimeFigureOut">
               <a:rPr lang="en-US" smtClean="0"/>
-              <a:t>10/5/2023</a:t>
+              <a:t>10/7/2023</a:t>
             </a:fld>
             <a:endParaRPr lang="en-US"/>
           </a:p>
@@ -742,7 +742,7 @@
           <a:p>
             <a:fld id="{2416D638-647D-4E11-8473-B8949EEA528F}" type="datetimeFigureOut">
               <a:rPr lang="en-US" smtClean="0"/>
-              <a:t>10/5/2023</a:t>
+              <a:t>10/7/2023</a:t>
             </a:fld>
             <a:endParaRPr lang="en-US"/>
           </a:p>
@@ -992,7 +992,7 @@
           <a:p>
             <a:fld id="{2416D638-647D-4E11-8473-B8949EEA528F}" type="datetimeFigureOut">
               <a:rPr lang="en-US" smtClean="0"/>
-              <a:t>10/5/2023</a:t>
+              <a:t>10/7/2023</a:t>
             </a:fld>
             <a:endParaRPr lang="en-US"/>
           </a:p>
@@ -1300,7 +1300,7 @@
           <a:p>
             <a:fld id="{2416D638-647D-4E11-8473-B8949EEA528F}" type="datetimeFigureOut">
               <a:rPr lang="en-US" smtClean="0"/>
-              <a:t>10/5/2023</a:t>
+              <a:t>10/7/2023</a:t>
             </a:fld>
             <a:endParaRPr lang="en-US"/>
           </a:p>
@@ -1618,7 +1618,7 @@
           <a:p>
             <a:fld id="{2416D638-647D-4E11-8473-B8949EEA528F}" type="datetimeFigureOut">
               <a:rPr lang="en-US" smtClean="0"/>
-              <a:t>10/5/2023</a:t>
+              <a:t>10/7/2023</a:t>
             </a:fld>
             <a:endParaRPr lang="en-US"/>
           </a:p>
@@ -1920,7 +1920,7 @@
           <a:p>
             <a:fld id="{2416D638-647D-4E11-8473-B8949EEA528F}" type="datetimeFigureOut">
               <a:rPr lang="en-US" smtClean="0"/>
-              <a:t>10/5/2023</a:t>
+              <a:t>10/7/2023</a:t>
             </a:fld>
             <a:endParaRPr lang="en-US"/>
           </a:p>
@@ -2287,7 +2287,7 @@
           <a:p>
             <a:fld id="{2416D638-647D-4E11-8473-B8949EEA528F}" type="datetimeFigureOut">
               <a:rPr lang="en-US" smtClean="0"/>
-              <a:t>10/5/2023</a:t>
+              <a:t>10/7/2023</a:t>
             </a:fld>
             <a:endParaRPr lang="en-US"/>
           </a:p>
@@ -2461,7 +2461,7 @@
           <a:p>
             <a:fld id="{2416D638-647D-4E11-8473-B8949EEA528F}" type="datetimeFigureOut">
               <a:rPr lang="en-US" smtClean="0"/>
-              <a:t>10/5/2023</a:t>
+              <a:t>10/7/2023</a:t>
             </a:fld>
             <a:endParaRPr lang="en-US"/>
           </a:p>
@@ -2641,7 +2641,7 @@
           <a:p>
             <a:fld id="{2416D638-647D-4E11-8473-B8949EEA528F}" type="datetimeFigureOut">
               <a:rPr lang="en-US" smtClean="0"/>
-              <a:t>10/5/2023</a:t>
+              <a:t>10/7/2023</a:t>
             </a:fld>
             <a:endParaRPr lang="en-US"/>
           </a:p>
@@ -2811,7 +2811,7 @@
           <a:p>
             <a:fld id="{2416D638-647D-4E11-8473-B8949EEA528F}" type="datetimeFigureOut">
               <a:rPr lang="en-US" smtClean="0"/>
-              <a:t>10/5/2023</a:t>
+              <a:t>10/7/2023</a:t>
             </a:fld>
             <a:endParaRPr lang="en-US"/>
           </a:p>
@@ -3061,7 +3061,7 @@
           <a:p>
             <a:fld id="{2416D638-647D-4E11-8473-B8949EEA528F}" type="datetimeFigureOut">
               <a:rPr lang="en-US" smtClean="0"/>
-              <a:t>10/5/2023</a:t>
+              <a:t>10/7/2023</a:t>
             </a:fld>
             <a:endParaRPr lang="en-US"/>
           </a:p>
@@ -3297,7 +3297,7 @@
           <a:p>
             <a:fld id="{2416D638-647D-4E11-8473-B8949EEA528F}" type="datetimeFigureOut">
               <a:rPr lang="en-US" smtClean="0"/>
-              <a:t>10/5/2023</a:t>
+              <a:t>10/7/2023</a:t>
             </a:fld>
             <a:endParaRPr lang="en-US"/>
           </a:p>
@@ -3679,7 +3679,7 @@
           <a:p>
             <a:fld id="{2416D638-647D-4E11-8473-B8949EEA528F}" type="datetimeFigureOut">
               <a:rPr lang="en-US" smtClean="0"/>
-              <a:t>10/5/2023</a:t>
+              <a:t>10/7/2023</a:t>
             </a:fld>
             <a:endParaRPr lang="en-US"/>
           </a:p>
@@ -3797,7 +3797,7 @@
           <a:p>
             <a:fld id="{2416D638-647D-4E11-8473-B8949EEA528F}" type="datetimeFigureOut">
               <a:rPr lang="en-US" smtClean="0"/>
-              <a:t>10/5/2023</a:t>
+              <a:t>10/7/2023</a:t>
             </a:fld>
             <a:endParaRPr lang="en-US"/>
           </a:p>
@@ -3892,7 +3892,7 @@
           <a:p>
             <a:fld id="{2416D638-647D-4E11-8473-B8949EEA528F}" type="datetimeFigureOut">
               <a:rPr lang="en-US" smtClean="0"/>
-              <a:t>10/5/2023</a:t>
+              <a:t>10/7/2023</a:t>
             </a:fld>
             <a:endParaRPr lang="en-US"/>
           </a:p>
@@ -4147,7 +4147,7 @@
           <a:p>
             <a:fld id="{2416D638-647D-4E11-8473-B8949EEA528F}" type="datetimeFigureOut">
               <a:rPr lang="en-US" smtClean="0"/>
-              <a:t>10/5/2023</a:t>
+              <a:t>10/7/2023</a:t>
             </a:fld>
             <a:endParaRPr lang="en-US"/>
           </a:p>
@@ -4430,7 +4430,7 @@
           <a:p>
             <a:fld id="{2416D638-647D-4E11-8473-B8949EEA528F}" type="datetimeFigureOut">
               <a:rPr lang="en-US" smtClean="0"/>
-              <a:t>10/5/2023</a:t>
+              <a:t>10/7/2023</a:t>
             </a:fld>
             <a:endParaRPr lang="en-US"/>
           </a:p>
@@ -4836,7 +4836,7 @@
           <a:p>
             <a:fld id="{2416D638-647D-4E11-8473-B8949EEA528F}" type="datetimeFigureOut">
               <a:rPr lang="en-US" smtClean="0"/>
-              <a:t>10/5/2023</a:t>
+              <a:t>10/7/2023</a:t>
             </a:fld>
             <a:endParaRPr lang="en-US"/>
           </a:p>
@@ -5436,458 +5436,6 @@
       </p:grpSpPr>
       <p:sp>
         <p:nvSpPr>
-          <p:cNvPr id="6" name="Content Placeholder 2">
-            <a:extLst>
-              <a:ext uri="{FF2B5EF4-FFF2-40B4-BE49-F238E27FC236}">
-                <a16:creationId xmlns:a16="http://schemas.microsoft.com/office/drawing/2014/main" id="{6EF4A120-F741-36C7-1D50-4FCC8C29B9D3}"/>
-              </a:ext>
-            </a:extLst>
-          </p:cNvPr>
-          <p:cNvSpPr txBox="1">
-            <a:spLocks/>
-          </p:cNvSpPr>
-          <p:nvPr/>
-        </p:nvSpPr>
-        <p:spPr>
-          <a:xfrm>
-            <a:off x="1848591" y="1317858"/>
-            <a:ext cx="8494816" cy="1114671"/>
-          </a:xfrm>
-          <a:prstGeom prst="rect">
-            <a:avLst/>
-          </a:prstGeom>
-        </p:spPr>
-        <p:txBody>
-          <a:bodyPr vert="horz" lIns="91440" tIns="45720" rIns="91440" bIns="45720" rtlCol="0" anchor="ctr">
-            <a:normAutofit fontScale="92500" lnSpcReduction="10000"/>
-          </a:bodyPr>
-          <a:lstStyle>
-            <a:lvl1pPr marL="285750" indent="-285750" algn="l" defTabSz="457200" rtl="0" eaLnBrk="1" latinLnBrk="0" hangingPunct="1">
-              <a:spcBef>
-                <a:spcPct val="20000"/>
-              </a:spcBef>
-              <a:spcAft>
-                <a:spcPts val="600"/>
-              </a:spcAft>
-              <a:buClr>
-                <a:schemeClr val="tx1"/>
-              </a:buClr>
-              <a:buSzPct val="80000"/>
-              <a:buFont typeface="Wingdings 3" panose="05040102010807070707" pitchFamily="18" charset="2"/>
-              <a:buChar char=""/>
-              <a:defRPr sz="2000" kern="1200" cap="none">
-                <a:solidFill>
-                  <a:schemeClr val="bg2">
-                    <a:lumMod val="75000"/>
-                  </a:schemeClr>
-                </a:solidFill>
-                <a:effectLst/>
-                <a:latin typeface="+mn-lt"/>
-                <a:ea typeface="+mn-ea"/>
-                <a:cs typeface="+mn-cs"/>
-              </a:defRPr>
-            </a:lvl1pPr>
-            <a:lvl2pPr marL="742950" indent="-285750" algn="l" defTabSz="457200" rtl="0" eaLnBrk="1" latinLnBrk="0" hangingPunct="1">
-              <a:spcBef>
-                <a:spcPct val="20000"/>
-              </a:spcBef>
-              <a:spcAft>
-                <a:spcPts val="600"/>
-              </a:spcAft>
-              <a:buClr>
-                <a:schemeClr val="tx1"/>
-              </a:buClr>
-              <a:buSzPct val="80000"/>
-              <a:buFont typeface="Wingdings 3" panose="05040102010807070707" pitchFamily="18" charset="2"/>
-              <a:buChar char=""/>
-              <a:defRPr sz="1800" kern="1200" cap="none">
-                <a:solidFill>
-                  <a:schemeClr val="bg2">
-                    <a:lumMod val="75000"/>
-                  </a:schemeClr>
-                </a:solidFill>
-                <a:effectLst/>
-                <a:latin typeface="+mn-lt"/>
-                <a:ea typeface="+mn-ea"/>
-                <a:cs typeface="+mn-cs"/>
-              </a:defRPr>
-            </a:lvl2pPr>
-            <a:lvl3pPr marL="1200150" indent="-285750" algn="l" defTabSz="457200" rtl="0" eaLnBrk="1" latinLnBrk="0" hangingPunct="1">
-              <a:spcBef>
-                <a:spcPct val="20000"/>
-              </a:spcBef>
-              <a:spcAft>
-                <a:spcPts val="600"/>
-              </a:spcAft>
-              <a:buClr>
-                <a:schemeClr val="tx1"/>
-              </a:buClr>
-              <a:buSzPct val="80000"/>
-              <a:buFont typeface="Wingdings 3" panose="05040102010807070707" pitchFamily="18" charset="2"/>
-              <a:buChar char=""/>
-              <a:defRPr sz="1600" kern="1200" cap="none">
-                <a:solidFill>
-                  <a:schemeClr val="bg2">
-                    <a:lumMod val="75000"/>
-                  </a:schemeClr>
-                </a:solidFill>
-                <a:effectLst/>
-                <a:latin typeface="+mn-lt"/>
-                <a:ea typeface="+mn-ea"/>
-                <a:cs typeface="+mn-cs"/>
-              </a:defRPr>
-            </a:lvl3pPr>
-            <a:lvl4pPr marL="1543050" indent="-171450" algn="l" defTabSz="457200" rtl="0" eaLnBrk="1" latinLnBrk="0" hangingPunct="1">
-              <a:spcBef>
-                <a:spcPct val="20000"/>
-              </a:spcBef>
-              <a:spcAft>
-                <a:spcPts val="600"/>
-              </a:spcAft>
-              <a:buClr>
-                <a:schemeClr val="tx1"/>
-              </a:buClr>
-              <a:buSzPct val="80000"/>
-              <a:buFont typeface="Wingdings 3" panose="05040102010807070707" pitchFamily="18" charset="2"/>
-              <a:buChar char=""/>
-              <a:defRPr sz="1400" kern="1200" cap="none">
-                <a:solidFill>
-                  <a:schemeClr val="bg2">
-                    <a:lumMod val="75000"/>
-                  </a:schemeClr>
-                </a:solidFill>
-                <a:effectLst/>
-                <a:latin typeface="+mn-lt"/>
-                <a:ea typeface="+mn-ea"/>
-                <a:cs typeface="+mn-cs"/>
-              </a:defRPr>
-            </a:lvl4pPr>
-            <a:lvl5pPr marL="2000250" indent="-171450" algn="l" defTabSz="457200" rtl="0" eaLnBrk="1" latinLnBrk="0" hangingPunct="1">
-              <a:spcBef>
-                <a:spcPct val="20000"/>
-              </a:spcBef>
-              <a:spcAft>
-                <a:spcPts val="600"/>
-              </a:spcAft>
-              <a:buClr>
-                <a:schemeClr val="tx1"/>
-              </a:buClr>
-              <a:buSzPct val="80000"/>
-              <a:buFont typeface="Wingdings 3" panose="05040102010807070707" pitchFamily="18" charset="2"/>
-              <a:buChar char=""/>
-              <a:defRPr sz="1400" kern="1200" cap="none">
-                <a:solidFill>
-                  <a:schemeClr val="bg2">
-                    <a:lumMod val="75000"/>
-                  </a:schemeClr>
-                </a:solidFill>
-                <a:effectLst/>
-                <a:latin typeface="+mn-lt"/>
-                <a:ea typeface="+mn-ea"/>
-                <a:cs typeface="+mn-cs"/>
-              </a:defRPr>
-            </a:lvl5pPr>
-            <a:lvl6pPr marL="2514600" indent="-228600" algn="l" defTabSz="457200" rtl="0" eaLnBrk="1" latinLnBrk="0" hangingPunct="1">
-              <a:spcBef>
-                <a:spcPct val="20000"/>
-              </a:spcBef>
-              <a:spcAft>
-                <a:spcPts val="600"/>
-              </a:spcAft>
-              <a:buClr>
-                <a:schemeClr val="tx1"/>
-              </a:buClr>
-              <a:buSzPct val="80000"/>
-              <a:buFont typeface="Wingdings 3" panose="05040102010807070707" pitchFamily="18" charset="2"/>
-              <a:buChar char=""/>
-              <a:defRPr sz="1400" kern="1200" cap="none">
-                <a:solidFill>
-                  <a:schemeClr val="bg2">
-                    <a:lumMod val="75000"/>
-                  </a:schemeClr>
-                </a:solidFill>
-                <a:effectLst/>
-                <a:latin typeface="+mn-lt"/>
-                <a:ea typeface="+mn-ea"/>
-                <a:cs typeface="+mn-cs"/>
-              </a:defRPr>
-            </a:lvl6pPr>
-            <a:lvl7pPr marL="2971800" indent="-228600" algn="l" defTabSz="457200" rtl="0" eaLnBrk="1" latinLnBrk="0" hangingPunct="1">
-              <a:spcBef>
-                <a:spcPct val="20000"/>
-              </a:spcBef>
-              <a:spcAft>
-                <a:spcPts val="600"/>
-              </a:spcAft>
-              <a:buClr>
-                <a:schemeClr val="tx1"/>
-              </a:buClr>
-              <a:buSzPct val="80000"/>
-              <a:buFont typeface="Wingdings 3" panose="05040102010807070707" pitchFamily="18" charset="2"/>
-              <a:buChar char=""/>
-              <a:defRPr sz="1400" kern="1200" cap="none">
-                <a:solidFill>
-                  <a:schemeClr val="bg2">
-                    <a:lumMod val="75000"/>
-                  </a:schemeClr>
-                </a:solidFill>
-                <a:effectLst/>
-                <a:latin typeface="+mn-lt"/>
-                <a:ea typeface="+mn-ea"/>
-                <a:cs typeface="+mn-cs"/>
-              </a:defRPr>
-            </a:lvl7pPr>
-            <a:lvl8pPr marL="3429000" indent="-228600" algn="l" defTabSz="457200" rtl="0" eaLnBrk="1" latinLnBrk="0" hangingPunct="1">
-              <a:spcBef>
-                <a:spcPct val="20000"/>
-              </a:spcBef>
-              <a:spcAft>
-                <a:spcPts val="600"/>
-              </a:spcAft>
-              <a:buClr>
-                <a:schemeClr val="tx1"/>
-              </a:buClr>
-              <a:buSzPct val="80000"/>
-              <a:buFont typeface="Wingdings 3" panose="05040102010807070707" pitchFamily="18" charset="2"/>
-              <a:buChar char=""/>
-              <a:defRPr sz="1400" kern="1200" cap="none">
-                <a:solidFill>
-                  <a:schemeClr val="bg2">
-                    <a:lumMod val="75000"/>
-                  </a:schemeClr>
-                </a:solidFill>
-                <a:effectLst/>
-                <a:latin typeface="+mn-lt"/>
-                <a:ea typeface="+mn-ea"/>
-                <a:cs typeface="+mn-cs"/>
-              </a:defRPr>
-            </a:lvl8pPr>
-            <a:lvl9pPr marL="3886200" indent="-228600" algn="l" defTabSz="457200" rtl="0" eaLnBrk="1" latinLnBrk="0" hangingPunct="1">
-              <a:spcBef>
-                <a:spcPct val="20000"/>
-              </a:spcBef>
-              <a:spcAft>
-                <a:spcPts val="600"/>
-              </a:spcAft>
-              <a:buClr>
-                <a:schemeClr val="tx1"/>
-              </a:buClr>
-              <a:buSzPct val="80000"/>
-              <a:buFont typeface="Wingdings 3" panose="05040102010807070707" pitchFamily="18" charset="2"/>
-              <a:buChar char=""/>
-              <a:defRPr sz="1400" kern="1200" cap="none">
-                <a:solidFill>
-                  <a:schemeClr val="bg2">
-                    <a:lumMod val="75000"/>
-                  </a:schemeClr>
-                </a:solidFill>
-                <a:effectLst/>
-                <a:latin typeface="+mn-lt"/>
-                <a:ea typeface="+mn-ea"/>
-                <a:cs typeface="+mn-cs"/>
-              </a:defRPr>
-            </a:lvl9pPr>
-          </a:lstStyle>
-          <a:p>
-            <a:r>
-              <a:rPr lang="en-US" dirty="0"/>
-              <a:t>The underlying concept of getting data to the consumer remains</a:t>
-            </a:r>
-          </a:p>
-          <a:p>
-            <a:pPr lvl="1"/>
-            <a:r>
-              <a:rPr lang="en-US" dirty="0"/>
-              <a:t>“GraphQL is typically served over HTTP…” </a:t>
-            </a:r>
-            <a:r>
-              <a:rPr lang="en-US" sz="850" dirty="0"/>
-              <a:t>-https://graphql.org/learn/best-practices/</a:t>
-            </a:r>
-          </a:p>
-          <a:p>
-            <a:r>
-              <a:rPr lang="en-US" dirty="0"/>
-              <a:t>How the request is handled is where GraphQL shines</a:t>
-            </a:r>
-          </a:p>
-        </p:txBody>
-      </p:sp>
-      <p:sp>
-        <p:nvSpPr>
-          <p:cNvPr id="7" name="TextBox 6">
-            <a:extLst>
-              <a:ext uri="{FF2B5EF4-FFF2-40B4-BE49-F238E27FC236}">
-                <a16:creationId xmlns:a16="http://schemas.microsoft.com/office/drawing/2014/main" id="{65950906-AA4D-8495-2C73-AEEA600D6D92}"/>
-              </a:ext>
-            </a:extLst>
-          </p:cNvPr>
-          <p:cNvSpPr txBox="1"/>
-          <p:nvPr/>
-        </p:nvSpPr>
-        <p:spPr>
-          <a:xfrm>
-            <a:off x="2507292" y="204154"/>
-            <a:ext cx="7083631" cy="830997"/>
-          </a:xfrm>
-          <a:prstGeom prst="rect">
-            <a:avLst/>
-          </a:prstGeom>
-          <a:noFill/>
-        </p:spPr>
-        <p:txBody>
-          <a:bodyPr wrap="square" rtlCol="0">
-            <a:spAutoFit/>
-          </a:bodyPr>
-          <a:lstStyle/>
-          <a:p>
-            <a:pPr algn="ctr"/>
-            <a:r>
-              <a:rPr lang="en-US" sz="4800" dirty="0"/>
-              <a:t>REST to GraphQL</a:t>
-            </a:r>
-            <a:endParaRPr lang="en-US" sz="2400" dirty="0"/>
-          </a:p>
-        </p:txBody>
-      </p:sp>
-      <p:pic>
-        <p:nvPicPr>
-          <p:cNvPr id="3" name="Picture 2">
-            <a:extLst>
-              <a:ext uri="{FF2B5EF4-FFF2-40B4-BE49-F238E27FC236}">
-                <a16:creationId xmlns:a16="http://schemas.microsoft.com/office/drawing/2014/main" id="{8587B5B9-318C-DA3C-9E57-48AC6C7A663C}"/>
-              </a:ext>
-            </a:extLst>
-          </p:cNvPr>
-          <p:cNvPicPr>
-            <a:picLocks noChangeAspect="1"/>
-          </p:cNvPicPr>
-          <p:nvPr/>
-        </p:nvPicPr>
-        <p:blipFill>
-          <a:blip r:embed="rId2"/>
-          <a:stretch>
-            <a:fillRect/>
-          </a:stretch>
-        </p:blipFill>
-        <p:spPr>
-          <a:xfrm>
-            <a:off x="1704973" y="4570668"/>
-            <a:ext cx="8782050" cy="619125"/>
-          </a:xfrm>
-          <a:prstGeom prst="rect">
-            <a:avLst/>
-          </a:prstGeom>
-        </p:spPr>
-      </p:pic>
-      <p:pic>
-        <p:nvPicPr>
-          <p:cNvPr id="5" name="Picture 4">
-            <a:extLst>
-              <a:ext uri="{FF2B5EF4-FFF2-40B4-BE49-F238E27FC236}">
-                <a16:creationId xmlns:a16="http://schemas.microsoft.com/office/drawing/2014/main" id="{9AED260C-153B-E0F8-0B78-98F99157CBF0}"/>
-              </a:ext>
-            </a:extLst>
-          </p:cNvPr>
-          <p:cNvPicPr>
-            <a:picLocks noChangeAspect="1"/>
-          </p:cNvPicPr>
-          <p:nvPr/>
-        </p:nvPicPr>
-        <p:blipFill>
-          <a:blip r:embed="rId3"/>
-          <a:stretch>
-            <a:fillRect/>
-          </a:stretch>
-        </p:blipFill>
-        <p:spPr>
-          <a:xfrm>
-            <a:off x="2785599" y="2925167"/>
-            <a:ext cx="6620799" cy="657317"/>
-          </a:xfrm>
-          <a:prstGeom prst="rect">
-            <a:avLst/>
-          </a:prstGeom>
-        </p:spPr>
-      </p:pic>
-      <p:sp>
-        <p:nvSpPr>
-          <p:cNvPr id="10" name="Arrow: Down 9">
-            <a:extLst>
-              <a:ext uri="{FF2B5EF4-FFF2-40B4-BE49-F238E27FC236}">
-                <a16:creationId xmlns:a16="http://schemas.microsoft.com/office/drawing/2014/main" id="{1357051C-0ED3-D01E-4EE8-951F8E8964E6}"/>
-              </a:ext>
-            </a:extLst>
-          </p:cNvPr>
-          <p:cNvSpPr/>
-          <p:nvPr/>
-        </p:nvSpPr>
-        <p:spPr>
-          <a:xfrm>
-            <a:off x="5923082" y="3768961"/>
-            <a:ext cx="345831" cy="509954"/>
-          </a:xfrm>
-          <a:prstGeom prst="downArrow">
-            <a:avLst/>
-          </a:prstGeom>
-        </p:spPr>
-        <p:style>
-          <a:lnRef idx="2">
-            <a:schemeClr val="accent1">
-              <a:shade val="15000"/>
-            </a:schemeClr>
-          </a:lnRef>
-          <a:fillRef idx="1">
-            <a:schemeClr val="accent1"/>
-          </a:fillRef>
-          <a:effectRef idx="0">
-            <a:schemeClr val="accent1"/>
-          </a:effectRef>
-          <a:fontRef idx="minor">
-            <a:schemeClr val="lt1"/>
-          </a:fontRef>
-        </p:style>
-        <p:txBody>
-          <a:bodyPr rtlCol="0" anchor="ctr"/>
-          <a:lstStyle/>
-          <a:p>
-            <a:pPr algn="ctr"/>
-            <a:endParaRPr lang="en-US"/>
-          </a:p>
-        </p:txBody>
-      </p:sp>
-    </p:spTree>
-    <p:extLst>
-      <p:ext uri="{BB962C8B-B14F-4D97-AF65-F5344CB8AC3E}">
-        <p14:creationId xmlns:p14="http://schemas.microsoft.com/office/powerpoint/2010/main" val="2088564683"/>
-      </p:ext>
-    </p:extLst>
-  </p:cSld>
-  <p:clrMapOvr>
-    <a:masterClrMapping/>
-  </p:clrMapOvr>
-</p:sld>
-</file>
-
-<file path=ppt/slides/slide3.xml><?xml version="1.0" encoding="utf-8"?>
-<p:sld xmlns:a="http://schemas.openxmlformats.org/drawingml/2006/main" xmlns:r="http://schemas.openxmlformats.org/officeDocument/2006/relationships" xmlns:p="http://schemas.openxmlformats.org/presentationml/2006/main">
-  <p:cSld>
-    <p:spTree>
-      <p:nvGrpSpPr>
-        <p:cNvPr id="1" name=""/>
-        <p:cNvGrpSpPr/>
-        <p:nvPr/>
-      </p:nvGrpSpPr>
-      <p:grpSpPr>
-        <a:xfrm>
-          <a:off x="0" y="0"/>
-          <a:ext cx="0" cy="0"/>
-          <a:chOff x="0" y="0"/>
-          <a:chExt cx="0" cy="0"/>
-        </a:xfrm>
-      </p:grpSpPr>
-      <p:sp>
-        <p:nvSpPr>
           <p:cNvPr id="3" name="Content Placeholder 2">
             <a:extLst>
               <a:ext uri="{FF2B5EF4-FFF2-40B4-BE49-F238E27FC236}">
@@ -6359,7 +5907,7 @@
 </p:sld>
 </file>
 
-<file path=ppt/slides/slide4.xml><?xml version="1.0" encoding="utf-8"?>
+<file path=ppt/slides/slide3.xml><?xml version="1.0" encoding="utf-8"?>
 <p:sld xmlns:a="http://schemas.openxmlformats.org/drawingml/2006/main" xmlns:r="http://schemas.openxmlformats.org/officeDocument/2006/relationships" xmlns:p="http://schemas.openxmlformats.org/presentationml/2006/main">
   <p:cSld>
     <p:spTree>
@@ -6392,7 +5940,7 @@
         </p:nvSpPr>
         <p:spPr>
           <a:xfrm>
-            <a:off x="1848591" y="1620714"/>
+            <a:off x="1848591" y="1485896"/>
             <a:ext cx="8494816" cy="2679702"/>
           </a:xfrm>
           <a:prstGeom prst="rect">
@@ -6705,10 +6253,770 @@
           </a:p>
         </p:txBody>
       </p:sp>
+      <p:pic>
+        <p:nvPicPr>
+          <p:cNvPr id="3" name="Picture 2">
+            <a:extLst>
+              <a:ext uri="{FF2B5EF4-FFF2-40B4-BE49-F238E27FC236}">
+                <a16:creationId xmlns:a16="http://schemas.microsoft.com/office/drawing/2014/main" id="{3A2C8709-CAD9-8765-4F15-85DA47D5067E}"/>
+              </a:ext>
+            </a:extLst>
+          </p:cNvPr>
+          <p:cNvPicPr>
+            <a:picLocks noChangeAspect="1"/>
+          </p:cNvPicPr>
+          <p:nvPr/>
+        </p:nvPicPr>
+        <p:blipFill>
+          <a:blip r:embed="rId2"/>
+          <a:stretch>
+            <a:fillRect/>
+          </a:stretch>
+        </p:blipFill>
+        <p:spPr>
+          <a:xfrm>
+            <a:off x="814754" y="4271106"/>
+            <a:ext cx="4258594" cy="2438766"/>
+          </a:xfrm>
+          <a:prstGeom prst="rect">
+            <a:avLst/>
+          </a:prstGeom>
+        </p:spPr>
+      </p:pic>
     </p:spTree>
     <p:extLst>
       <p:ext uri="{BB962C8B-B14F-4D97-AF65-F5344CB8AC3E}">
         <p14:creationId xmlns:p14="http://schemas.microsoft.com/office/powerpoint/2010/main" val="2268114393"/>
+      </p:ext>
+    </p:extLst>
+  </p:cSld>
+  <p:clrMapOvr>
+    <a:masterClrMapping/>
+  </p:clrMapOvr>
+</p:sld>
+</file>
+
+<file path=ppt/slides/slide4.xml><?xml version="1.0" encoding="utf-8"?>
+<p:sld xmlns:a="http://schemas.openxmlformats.org/drawingml/2006/main" xmlns:r="http://schemas.openxmlformats.org/officeDocument/2006/relationships" xmlns:p="http://schemas.openxmlformats.org/presentationml/2006/main">
+  <p:cSld>
+    <p:spTree>
+      <p:nvGrpSpPr>
+        <p:cNvPr id="1" name=""/>
+        <p:cNvGrpSpPr/>
+        <p:nvPr/>
+      </p:nvGrpSpPr>
+      <p:grpSpPr>
+        <a:xfrm>
+          <a:off x="0" y="0"/>
+          <a:ext cx="0" cy="0"/>
+          <a:chOff x="0" y="0"/>
+          <a:chExt cx="0" cy="0"/>
+        </a:xfrm>
+      </p:grpSpPr>
+      <p:sp>
+        <p:nvSpPr>
+          <p:cNvPr id="6" name="Content Placeholder 2">
+            <a:extLst>
+              <a:ext uri="{FF2B5EF4-FFF2-40B4-BE49-F238E27FC236}">
+                <a16:creationId xmlns:a16="http://schemas.microsoft.com/office/drawing/2014/main" id="{6EF4A120-F741-36C7-1D50-4FCC8C29B9D3}"/>
+              </a:ext>
+            </a:extLst>
+          </p:cNvPr>
+          <p:cNvSpPr txBox="1">
+            <a:spLocks/>
+          </p:cNvSpPr>
+          <p:nvPr/>
+        </p:nvSpPr>
+        <p:spPr>
+          <a:xfrm>
+            <a:off x="1848591" y="1259238"/>
+            <a:ext cx="8494816" cy="1114671"/>
+          </a:xfrm>
+          <a:prstGeom prst="rect">
+            <a:avLst/>
+          </a:prstGeom>
+        </p:spPr>
+        <p:txBody>
+          <a:bodyPr vert="horz" lIns="91440" tIns="45720" rIns="91440" bIns="45720" rtlCol="0" anchor="ctr">
+            <a:normAutofit fontScale="92500" lnSpcReduction="10000"/>
+          </a:bodyPr>
+          <a:lstStyle>
+            <a:lvl1pPr marL="285750" indent="-285750" algn="l" defTabSz="457200" rtl="0" eaLnBrk="1" latinLnBrk="0" hangingPunct="1">
+              <a:spcBef>
+                <a:spcPct val="20000"/>
+              </a:spcBef>
+              <a:spcAft>
+                <a:spcPts val="600"/>
+              </a:spcAft>
+              <a:buClr>
+                <a:schemeClr val="tx1"/>
+              </a:buClr>
+              <a:buSzPct val="80000"/>
+              <a:buFont typeface="Wingdings 3" panose="05040102010807070707" pitchFamily="18" charset="2"/>
+              <a:buChar char=""/>
+              <a:defRPr sz="2000" kern="1200" cap="none">
+                <a:solidFill>
+                  <a:schemeClr val="bg2">
+                    <a:lumMod val="75000"/>
+                  </a:schemeClr>
+                </a:solidFill>
+                <a:effectLst/>
+                <a:latin typeface="+mn-lt"/>
+                <a:ea typeface="+mn-ea"/>
+                <a:cs typeface="+mn-cs"/>
+              </a:defRPr>
+            </a:lvl1pPr>
+            <a:lvl2pPr marL="742950" indent="-285750" algn="l" defTabSz="457200" rtl="0" eaLnBrk="1" latinLnBrk="0" hangingPunct="1">
+              <a:spcBef>
+                <a:spcPct val="20000"/>
+              </a:spcBef>
+              <a:spcAft>
+                <a:spcPts val="600"/>
+              </a:spcAft>
+              <a:buClr>
+                <a:schemeClr val="tx1"/>
+              </a:buClr>
+              <a:buSzPct val="80000"/>
+              <a:buFont typeface="Wingdings 3" panose="05040102010807070707" pitchFamily="18" charset="2"/>
+              <a:buChar char=""/>
+              <a:defRPr sz="1800" kern="1200" cap="none">
+                <a:solidFill>
+                  <a:schemeClr val="bg2">
+                    <a:lumMod val="75000"/>
+                  </a:schemeClr>
+                </a:solidFill>
+                <a:effectLst/>
+                <a:latin typeface="+mn-lt"/>
+                <a:ea typeface="+mn-ea"/>
+                <a:cs typeface="+mn-cs"/>
+              </a:defRPr>
+            </a:lvl2pPr>
+            <a:lvl3pPr marL="1200150" indent="-285750" algn="l" defTabSz="457200" rtl="0" eaLnBrk="1" latinLnBrk="0" hangingPunct="1">
+              <a:spcBef>
+                <a:spcPct val="20000"/>
+              </a:spcBef>
+              <a:spcAft>
+                <a:spcPts val="600"/>
+              </a:spcAft>
+              <a:buClr>
+                <a:schemeClr val="tx1"/>
+              </a:buClr>
+              <a:buSzPct val="80000"/>
+              <a:buFont typeface="Wingdings 3" panose="05040102010807070707" pitchFamily="18" charset="2"/>
+              <a:buChar char=""/>
+              <a:defRPr sz="1600" kern="1200" cap="none">
+                <a:solidFill>
+                  <a:schemeClr val="bg2">
+                    <a:lumMod val="75000"/>
+                  </a:schemeClr>
+                </a:solidFill>
+                <a:effectLst/>
+                <a:latin typeface="+mn-lt"/>
+                <a:ea typeface="+mn-ea"/>
+                <a:cs typeface="+mn-cs"/>
+              </a:defRPr>
+            </a:lvl3pPr>
+            <a:lvl4pPr marL="1543050" indent="-171450" algn="l" defTabSz="457200" rtl="0" eaLnBrk="1" latinLnBrk="0" hangingPunct="1">
+              <a:spcBef>
+                <a:spcPct val="20000"/>
+              </a:spcBef>
+              <a:spcAft>
+                <a:spcPts val="600"/>
+              </a:spcAft>
+              <a:buClr>
+                <a:schemeClr val="tx1"/>
+              </a:buClr>
+              <a:buSzPct val="80000"/>
+              <a:buFont typeface="Wingdings 3" panose="05040102010807070707" pitchFamily="18" charset="2"/>
+              <a:buChar char=""/>
+              <a:defRPr sz="1400" kern="1200" cap="none">
+                <a:solidFill>
+                  <a:schemeClr val="bg2">
+                    <a:lumMod val="75000"/>
+                  </a:schemeClr>
+                </a:solidFill>
+                <a:effectLst/>
+                <a:latin typeface="+mn-lt"/>
+                <a:ea typeface="+mn-ea"/>
+                <a:cs typeface="+mn-cs"/>
+              </a:defRPr>
+            </a:lvl4pPr>
+            <a:lvl5pPr marL="2000250" indent="-171450" algn="l" defTabSz="457200" rtl="0" eaLnBrk="1" latinLnBrk="0" hangingPunct="1">
+              <a:spcBef>
+                <a:spcPct val="20000"/>
+              </a:spcBef>
+              <a:spcAft>
+                <a:spcPts val="600"/>
+              </a:spcAft>
+              <a:buClr>
+                <a:schemeClr val="tx1"/>
+              </a:buClr>
+              <a:buSzPct val="80000"/>
+              <a:buFont typeface="Wingdings 3" panose="05040102010807070707" pitchFamily="18" charset="2"/>
+              <a:buChar char=""/>
+              <a:defRPr sz="1400" kern="1200" cap="none">
+                <a:solidFill>
+                  <a:schemeClr val="bg2">
+                    <a:lumMod val="75000"/>
+                  </a:schemeClr>
+                </a:solidFill>
+                <a:effectLst/>
+                <a:latin typeface="+mn-lt"/>
+                <a:ea typeface="+mn-ea"/>
+                <a:cs typeface="+mn-cs"/>
+              </a:defRPr>
+            </a:lvl5pPr>
+            <a:lvl6pPr marL="2514600" indent="-228600" algn="l" defTabSz="457200" rtl="0" eaLnBrk="1" latinLnBrk="0" hangingPunct="1">
+              <a:spcBef>
+                <a:spcPct val="20000"/>
+              </a:spcBef>
+              <a:spcAft>
+                <a:spcPts val="600"/>
+              </a:spcAft>
+              <a:buClr>
+                <a:schemeClr val="tx1"/>
+              </a:buClr>
+              <a:buSzPct val="80000"/>
+              <a:buFont typeface="Wingdings 3" panose="05040102010807070707" pitchFamily="18" charset="2"/>
+              <a:buChar char=""/>
+              <a:defRPr sz="1400" kern="1200" cap="none">
+                <a:solidFill>
+                  <a:schemeClr val="bg2">
+                    <a:lumMod val="75000"/>
+                  </a:schemeClr>
+                </a:solidFill>
+                <a:effectLst/>
+                <a:latin typeface="+mn-lt"/>
+                <a:ea typeface="+mn-ea"/>
+                <a:cs typeface="+mn-cs"/>
+              </a:defRPr>
+            </a:lvl6pPr>
+            <a:lvl7pPr marL="2971800" indent="-228600" algn="l" defTabSz="457200" rtl="0" eaLnBrk="1" latinLnBrk="0" hangingPunct="1">
+              <a:spcBef>
+                <a:spcPct val="20000"/>
+              </a:spcBef>
+              <a:spcAft>
+                <a:spcPts val="600"/>
+              </a:spcAft>
+              <a:buClr>
+                <a:schemeClr val="tx1"/>
+              </a:buClr>
+              <a:buSzPct val="80000"/>
+              <a:buFont typeface="Wingdings 3" panose="05040102010807070707" pitchFamily="18" charset="2"/>
+              <a:buChar char=""/>
+              <a:defRPr sz="1400" kern="1200" cap="none">
+                <a:solidFill>
+                  <a:schemeClr val="bg2">
+                    <a:lumMod val="75000"/>
+                  </a:schemeClr>
+                </a:solidFill>
+                <a:effectLst/>
+                <a:latin typeface="+mn-lt"/>
+                <a:ea typeface="+mn-ea"/>
+                <a:cs typeface="+mn-cs"/>
+              </a:defRPr>
+            </a:lvl7pPr>
+            <a:lvl8pPr marL="3429000" indent="-228600" algn="l" defTabSz="457200" rtl="0" eaLnBrk="1" latinLnBrk="0" hangingPunct="1">
+              <a:spcBef>
+                <a:spcPct val="20000"/>
+              </a:spcBef>
+              <a:spcAft>
+                <a:spcPts val="600"/>
+              </a:spcAft>
+              <a:buClr>
+                <a:schemeClr val="tx1"/>
+              </a:buClr>
+              <a:buSzPct val="80000"/>
+              <a:buFont typeface="Wingdings 3" panose="05040102010807070707" pitchFamily="18" charset="2"/>
+              <a:buChar char=""/>
+              <a:defRPr sz="1400" kern="1200" cap="none">
+                <a:solidFill>
+                  <a:schemeClr val="bg2">
+                    <a:lumMod val="75000"/>
+                  </a:schemeClr>
+                </a:solidFill>
+                <a:effectLst/>
+                <a:latin typeface="+mn-lt"/>
+                <a:ea typeface="+mn-ea"/>
+                <a:cs typeface="+mn-cs"/>
+              </a:defRPr>
+            </a:lvl8pPr>
+            <a:lvl9pPr marL="3886200" indent="-228600" algn="l" defTabSz="457200" rtl="0" eaLnBrk="1" latinLnBrk="0" hangingPunct="1">
+              <a:spcBef>
+                <a:spcPct val="20000"/>
+              </a:spcBef>
+              <a:spcAft>
+                <a:spcPts val="600"/>
+              </a:spcAft>
+              <a:buClr>
+                <a:schemeClr val="tx1"/>
+              </a:buClr>
+              <a:buSzPct val="80000"/>
+              <a:buFont typeface="Wingdings 3" panose="05040102010807070707" pitchFamily="18" charset="2"/>
+              <a:buChar char=""/>
+              <a:defRPr sz="1400" kern="1200" cap="none">
+                <a:solidFill>
+                  <a:schemeClr val="bg2">
+                    <a:lumMod val="75000"/>
+                  </a:schemeClr>
+                </a:solidFill>
+                <a:effectLst/>
+                <a:latin typeface="+mn-lt"/>
+                <a:ea typeface="+mn-ea"/>
+                <a:cs typeface="+mn-cs"/>
+              </a:defRPr>
+            </a:lvl9pPr>
+          </a:lstStyle>
+          <a:p>
+            <a:r>
+              <a:rPr lang="en-US" dirty="0"/>
+              <a:t>The underlying concept of getting data to the consumer remains</a:t>
+            </a:r>
+          </a:p>
+          <a:p>
+            <a:pPr lvl="1"/>
+            <a:r>
+              <a:rPr lang="en-US" dirty="0"/>
+              <a:t>“GraphQL is typically served over HTTP…” </a:t>
+            </a:r>
+            <a:r>
+              <a:rPr lang="en-US" sz="850" dirty="0"/>
+              <a:t>-https://graphql.org/learn/best-practices/</a:t>
+            </a:r>
+          </a:p>
+          <a:p>
+            <a:r>
+              <a:rPr lang="en-US" dirty="0"/>
+              <a:t>How the request is handled is where GraphQL shines</a:t>
+            </a:r>
+          </a:p>
+        </p:txBody>
+      </p:sp>
+      <p:sp>
+        <p:nvSpPr>
+          <p:cNvPr id="7" name="TextBox 6">
+            <a:extLst>
+              <a:ext uri="{FF2B5EF4-FFF2-40B4-BE49-F238E27FC236}">
+                <a16:creationId xmlns:a16="http://schemas.microsoft.com/office/drawing/2014/main" id="{65950906-AA4D-8495-2C73-AEEA600D6D92}"/>
+              </a:ext>
+            </a:extLst>
+          </p:cNvPr>
+          <p:cNvSpPr txBox="1"/>
+          <p:nvPr/>
+        </p:nvSpPr>
+        <p:spPr>
+          <a:xfrm>
+            <a:off x="2507292" y="204154"/>
+            <a:ext cx="7083631" cy="830997"/>
+          </a:xfrm>
+          <a:prstGeom prst="rect">
+            <a:avLst/>
+          </a:prstGeom>
+          <a:noFill/>
+        </p:spPr>
+        <p:txBody>
+          <a:bodyPr wrap="square" rtlCol="0">
+            <a:spAutoFit/>
+          </a:bodyPr>
+          <a:lstStyle/>
+          <a:p>
+            <a:pPr algn="ctr"/>
+            <a:r>
+              <a:rPr lang="en-US" sz="4800" dirty="0"/>
+              <a:t>REST to GraphQL</a:t>
+            </a:r>
+            <a:endParaRPr lang="en-US" sz="2400" dirty="0"/>
+          </a:p>
+        </p:txBody>
+      </p:sp>
+      <p:pic>
+        <p:nvPicPr>
+          <p:cNvPr id="3" name="Picture 2">
+            <a:extLst>
+              <a:ext uri="{FF2B5EF4-FFF2-40B4-BE49-F238E27FC236}">
+                <a16:creationId xmlns:a16="http://schemas.microsoft.com/office/drawing/2014/main" id="{8587B5B9-318C-DA3C-9E57-48AC6C7A663C}"/>
+              </a:ext>
+            </a:extLst>
+          </p:cNvPr>
+          <p:cNvPicPr>
+            <a:picLocks noChangeAspect="1"/>
+          </p:cNvPicPr>
+          <p:nvPr/>
+        </p:nvPicPr>
+        <p:blipFill>
+          <a:blip r:embed="rId2"/>
+          <a:stretch>
+            <a:fillRect/>
+          </a:stretch>
+        </p:blipFill>
+        <p:spPr>
+          <a:xfrm>
+            <a:off x="1658081" y="4123116"/>
+            <a:ext cx="8782050" cy="619125"/>
+          </a:xfrm>
+          <a:prstGeom prst="rect">
+            <a:avLst/>
+          </a:prstGeom>
+        </p:spPr>
+      </p:pic>
+      <p:pic>
+        <p:nvPicPr>
+          <p:cNvPr id="5" name="Picture 4">
+            <a:extLst>
+              <a:ext uri="{FF2B5EF4-FFF2-40B4-BE49-F238E27FC236}">
+                <a16:creationId xmlns:a16="http://schemas.microsoft.com/office/drawing/2014/main" id="{9AED260C-153B-E0F8-0B78-98F99157CBF0}"/>
+              </a:ext>
+            </a:extLst>
+          </p:cNvPr>
+          <p:cNvPicPr>
+            <a:picLocks noChangeAspect="1"/>
+          </p:cNvPicPr>
+          <p:nvPr/>
+        </p:nvPicPr>
+        <p:blipFill>
+          <a:blip r:embed="rId3"/>
+          <a:stretch>
+            <a:fillRect/>
+          </a:stretch>
+        </p:blipFill>
+        <p:spPr>
+          <a:xfrm>
+            <a:off x="2785597" y="2637109"/>
+            <a:ext cx="6620799" cy="657317"/>
+          </a:xfrm>
+          <a:prstGeom prst="rect">
+            <a:avLst/>
+          </a:prstGeom>
+        </p:spPr>
+      </p:pic>
+      <p:sp>
+        <p:nvSpPr>
+          <p:cNvPr id="10" name="Arrow: Down 9">
+            <a:extLst>
+              <a:ext uri="{FF2B5EF4-FFF2-40B4-BE49-F238E27FC236}">
+                <a16:creationId xmlns:a16="http://schemas.microsoft.com/office/drawing/2014/main" id="{1357051C-0ED3-D01E-4EE8-951F8E8964E6}"/>
+              </a:ext>
+            </a:extLst>
+          </p:cNvPr>
+          <p:cNvSpPr/>
+          <p:nvPr/>
+        </p:nvSpPr>
+        <p:spPr>
+          <a:xfrm>
+            <a:off x="5876191" y="3442070"/>
+            <a:ext cx="345831" cy="509954"/>
+          </a:xfrm>
+          <a:prstGeom prst="downArrow">
+            <a:avLst/>
+          </a:prstGeom>
+        </p:spPr>
+        <p:style>
+          <a:lnRef idx="2">
+            <a:schemeClr val="accent1">
+              <a:shade val="15000"/>
+            </a:schemeClr>
+          </a:lnRef>
+          <a:fillRef idx="1">
+            <a:schemeClr val="accent1"/>
+          </a:fillRef>
+          <a:effectRef idx="0">
+            <a:schemeClr val="accent1"/>
+          </a:effectRef>
+          <a:fontRef idx="minor">
+            <a:schemeClr val="lt1"/>
+          </a:fontRef>
+        </p:style>
+        <p:txBody>
+          <a:bodyPr rtlCol="0" anchor="ctr"/>
+          <a:lstStyle/>
+          <a:p>
+            <a:pPr algn="ctr"/>
+            <a:endParaRPr lang="en-US"/>
+          </a:p>
+        </p:txBody>
+      </p:sp>
+      <p:sp>
+        <p:nvSpPr>
+          <p:cNvPr id="2" name="Content Placeholder 2">
+            <a:extLst>
+              <a:ext uri="{FF2B5EF4-FFF2-40B4-BE49-F238E27FC236}">
+                <a16:creationId xmlns:a16="http://schemas.microsoft.com/office/drawing/2014/main" id="{3C69C3F7-EF93-245F-9727-FC048922F4FC}"/>
+              </a:ext>
+            </a:extLst>
+          </p:cNvPr>
+          <p:cNvSpPr txBox="1">
+            <a:spLocks/>
+          </p:cNvSpPr>
+          <p:nvPr/>
+        </p:nvSpPr>
+        <p:spPr>
+          <a:xfrm>
+            <a:off x="1945315" y="5107382"/>
+            <a:ext cx="8494816" cy="1114671"/>
+          </a:xfrm>
+          <a:prstGeom prst="rect">
+            <a:avLst/>
+          </a:prstGeom>
+        </p:spPr>
+        <p:txBody>
+          <a:bodyPr vert="horz" lIns="91440" tIns="45720" rIns="91440" bIns="45720" rtlCol="0" anchor="ctr">
+            <a:normAutofit fontScale="92500" lnSpcReduction="20000"/>
+          </a:bodyPr>
+          <a:lstStyle>
+            <a:lvl1pPr marL="285750" indent="-285750" algn="l" defTabSz="457200" rtl="0" eaLnBrk="1" latinLnBrk="0" hangingPunct="1">
+              <a:spcBef>
+                <a:spcPct val="20000"/>
+              </a:spcBef>
+              <a:spcAft>
+                <a:spcPts val="600"/>
+              </a:spcAft>
+              <a:buClr>
+                <a:schemeClr val="tx1"/>
+              </a:buClr>
+              <a:buSzPct val="80000"/>
+              <a:buFont typeface="Wingdings 3" panose="05040102010807070707" pitchFamily="18" charset="2"/>
+              <a:buChar char=""/>
+              <a:defRPr sz="2000" kern="1200" cap="none">
+                <a:solidFill>
+                  <a:schemeClr val="bg2">
+                    <a:lumMod val="75000"/>
+                  </a:schemeClr>
+                </a:solidFill>
+                <a:effectLst/>
+                <a:latin typeface="+mn-lt"/>
+                <a:ea typeface="+mn-ea"/>
+                <a:cs typeface="+mn-cs"/>
+              </a:defRPr>
+            </a:lvl1pPr>
+            <a:lvl2pPr marL="742950" indent="-285750" algn="l" defTabSz="457200" rtl="0" eaLnBrk="1" latinLnBrk="0" hangingPunct="1">
+              <a:spcBef>
+                <a:spcPct val="20000"/>
+              </a:spcBef>
+              <a:spcAft>
+                <a:spcPts val="600"/>
+              </a:spcAft>
+              <a:buClr>
+                <a:schemeClr val="tx1"/>
+              </a:buClr>
+              <a:buSzPct val="80000"/>
+              <a:buFont typeface="Wingdings 3" panose="05040102010807070707" pitchFamily="18" charset="2"/>
+              <a:buChar char=""/>
+              <a:defRPr sz="1800" kern="1200" cap="none">
+                <a:solidFill>
+                  <a:schemeClr val="bg2">
+                    <a:lumMod val="75000"/>
+                  </a:schemeClr>
+                </a:solidFill>
+                <a:effectLst/>
+                <a:latin typeface="+mn-lt"/>
+                <a:ea typeface="+mn-ea"/>
+                <a:cs typeface="+mn-cs"/>
+              </a:defRPr>
+            </a:lvl2pPr>
+            <a:lvl3pPr marL="1200150" indent="-285750" algn="l" defTabSz="457200" rtl="0" eaLnBrk="1" latinLnBrk="0" hangingPunct="1">
+              <a:spcBef>
+                <a:spcPct val="20000"/>
+              </a:spcBef>
+              <a:spcAft>
+                <a:spcPts val="600"/>
+              </a:spcAft>
+              <a:buClr>
+                <a:schemeClr val="tx1"/>
+              </a:buClr>
+              <a:buSzPct val="80000"/>
+              <a:buFont typeface="Wingdings 3" panose="05040102010807070707" pitchFamily="18" charset="2"/>
+              <a:buChar char=""/>
+              <a:defRPr sz="1600" kern="1200" cap="none">
+                <a:solidFill>
+                  <a:schemeClr val="bg2">
+                    <a:lumMod val="75000"/>
+                  </a:schemeClr>
+                </a:solidFill>
+                <a:effectLst/>
+                <a:latin typeface="+mn-lt"/>
+                <a:ea typeface="+mn-ea"/>
+                <a:cs typeface="+mn-cs"/>
+              </a:defRPr>
+            </a:lvl3pPr>
+            <a:lvl4pPr marL="1543050" indent="-171450" algn="l" defTabSz="457200" rtl="0" eaLnBrk="1" latinLnBrk="0" hangingPunct="1">
+              <a:spcBef>
+                <a:spcPct val="20000"/>
+              </a:spcBef>
+              <a:spcAft>
+                <a:spcPts val="600"/>
+              </a:spcAft>
+              <a:buClr>
+                <a:schemeClr val="tx1"/>
+              </a:buClr>
+              <a:buSzPct val="80000"/>
+              <a:buFont typeface="Wingdings 3" panose="05040102010807070707" pitchFamily="18" charset="2"/>
+              <a:buChar char=""/>
+              <a:defRPr sz="1400" kern="1200" cap="none">
+                <a:solidFill>
+                  <a:schemeClr val="bg2">
+                    <a:lumMod val="75000"/>
+                  </a:schemeClr>
+                </a:solidFill>
+                <a:effectLst/>
+                <a:latin typeface="+mn-lt"/>
+                <a:ea typeface="+mn-ea"/>
+                <a:cs typeface="+mn-cs"/>
+              </a:defRPr>
+            </a:lvl4pPr>
+            <a:lvl5pPr marL="2000250" indent="-171450" algn="l" defTabSz="457200" rtl="0" eaLnBrk="1" latinLnBrk="0" hangingPunct="1">
+              <a:spcBef>
+                <a:spcPct val="20000"/>
+              </a:spcBef>
+              <a:spcAft>
+                <a:spcPts val="600"/>
+              </a:spcAft>
+              <a:buClr>
+                <a:schemeClr val="tx1"/>
+              </a:buClr>
+              <a:buSzPct val="80000"/>
+              <a:buFont typeface="Wingdings 3" panose="05040102010807070707" pitchFamily="18" charset="2"/>
+              <a:buChar char=""/>
+              <a:defRPr sz="1400" kern="1200" cap="none">
+                <a:solidFill>
+                  <a:schemeClr val="bg2">
+                    <a:lumMod val="75000"/>
+                  </a:schemeClr>
+                </a:solidFill>
+                <a:effectLst/>
+                <a:latin typeface="+mn-lt"/>
+                <a:ea typeface="+mn-ea"/>
+                <a:cs typeface="+mn-cs"/>
+              </a:defRPr>
+            </a:lvl5pPr>
+            <a:lvl6pPr marL="2514600" indent="-228600" algn="l" defTabSz="457200" rtl="0" eaLnBrk="1" latinLnBrk="0" hangingPunct="1">
+              <a:spcBef>
+                <a:spcPct val="20000"/>
+              </a:spcBef>
+              <a:spcAft>
+                <a:spcPts val="600"/>
+              </a:spcAft>
+              <a:buClr>
+                <a:schemeClr val="tx1"/>
+              </a:buClr>
+              <a:buSzPct val="80000"/>
+              <a:buFont typeface="Wingdings 3" panose="05040102010807070707" pitchFamily="18" charset="2"/>
+              <a:buChar char=""/>
+              <a:defRPr sz="1400" kern="1200" cap="none">
+                <a:solidFill>
+                  <a:schemeClr val="bg2">
+                    <a:lumMod val="75000"/>
+                  </a:schemeClr>
+                </a:solidFill>
+                <a:effectLst/>
+                <a:latin typeface="+mn-lt"/>
+                <a:ea typeface="+mn-ea"/>
+                <a:cs typeface="+mn-cs"/>
+              </a:defRPr>
+            </a:lvl6pPr>
+            <a:lvl7pPr marL="2971800" indent="-228600" algn="l" defTabSz="457200" rtl="0" eaLnBrk="1" latinLnBrk="0" hangingPunct="1">
+              <a:spcBef>
+                <a:spcPct val="20000"/>
+              </a:spcBef>
+              <a:spcAft>
+                <a:spcPts val="600"/>
+              </a:spcAft>
+              <a:buClr>
+                <a:schemeClr val="tx1"/>
+              </a:buClr>
+              <a:buSzPct val="80000"/>
+              <a:buFont typeface="Wingdings 3" panose="05040102010807070707" pitchFamily="18" charset="2"/>
+              <a:buChar char=""/>
+              <a:defRPr sz="1400" kern="1200" cap="none">
+                <a:solidFill>
+                  <a:schemeClr val="bg2">
+                    <a:lumMod val="75000"/>
+                  </a:schemeClr>
+                </a:solidFill>
+                <a:effectLst/>
+                <a:latin typeface="+mn-lt"/>
+                <a:ea typeface="+mn-ea"/>
+                <a:cs typeface="+mn-cs"/>
+              </a:defRPr>
+            </a:lvl7pPr>
+            <a:lvl8pPr marL="3429000" indent="-228600" algn="l" defTabSz="457200" rtl="0" eaLnBrk="1" latinLnBrk="0" hangingPunct="1">
+              <a:spcBef>
+                <a:spcPct val="20000"/>
+              </a:spcBef>
+              <a:spcAft>
+                <a:spcPts val="600"/>
+              </a:spcAft>
+              <a:buClr>
+                <a:schemeClr val="tx1"/>
+              </a:buClr>
+              <a:buSzPct val="80000"/>
+              <a:buFont typeface="Wingdings 3" panose="05040102010807070707" pitchFamily="18" charset="2"/>
+              <a:buChar char=""/>
+              <a:defRPr sz="1400" kern="1200" cap="none">
+                <a:solidFill>
+                  <a:schemeClr val="bg2">
+                    <a:lumMod val="75000"/>
+                  </a:schemeClr>
+                </a:solidFill>
+                <a:effectLst/>
+                <a:latin typeface="+mn-lt"/>
+                <a:ea typeface="+mn-ea"/>
+                <a:cs typeface="+mn-cs"/>
+              </a:defRPr>
+            </a:lvl8pPr>
+            <a:lvl9pPr marL="3886200" indent="-228600" algn="l" defTabSz="457200" rtl="0" eaLnBrk="1" latinLnBrk="0" hangingPunct="1">
+              <a:spcBef>
+                <a:spcPct val="20000"/>
+              </a:spcBef>
+              <a:spcAft>
+                <a:spcPts val="600"/>
+              </a:spcAft>
+              <a:buClr>
+                <a:schemeClr val="tx1"/>
+              </a:buClr>
+              <a:buSzPct val="80000"/>
+              <a:buFont typeface="Wingdings 3" panose="05040102010807070707" pitchFamily="18" charset="2"/>
+              <a:buChar char=""/>
+              <a:defRPr sz="1400" kern="1200" cap="none">
+                <a:solidFill>
+                  <a:schemeClr val="bg2">
+                    <a:lumMod val="75000"/>
+                  </a:schemeClr>
+                </a:solidFill>
+                <a:effectLst/>
+                <a:latin typeface="+mn-lt"/>
+                <a:ea typeface="+mn-ea"/>
+                <a:cs typeface="+mn-cs"/>
+              </a:defRPr>
+            </a:lvl9pPr>
+          </a:lstStyle>
+          <a:p>
+            <a:r>
+              <a:rPr lang="en-US" dirty="0"/>
+              <a:t>GET 						-&gt; query</a:t>
+            </a:r>
+          </a:p>
+          <a:p>
+            <a:r>
+              <a:rPr lang="en-US" dirty="0"/>
+              <a:t>POST/UPDATE/PATCH 	-&gt; mutation</a:t>
+            </a:r>
+          </a:p>
+          <a:p>
+            <a:r>
+              <a:rPr lang="en-US" dirty="0" err="1"/>
+              <a:t>Websocket</a:t>
+            </a:r>
+            <a:r>
+              <a:rPr lang="en-US" dirty="0"/>
+              <a:t> 				-&gt; subscription</a:t>
+            </a:r>
+          </a:p>
+        </p:txBody>
+      </p:sp>
+    </p:spTree>
+    <p:extLst>
+      <p:ext uri="{BB962C8B-B14F-4D97-AF65-F5344CB8AC3E}">
+        <p14:creationId xmlns:p14="http://schemas.microsoft.com/office/powerpoint/2010/main" val="2088564683"/>
       </p:ext>
     </p:extLst>
   </p:cSld>

--- a/DGS-GraphQL.pptx
+++ b/DGS-GraphQL.pptx
@@ -6,9 +6,10 @@
   </p:sldMasterIdLst>
   <p:sldIdLst>
     <p:sldId id="256" r:id="rId2"/>
-    <p:sldId id="257" r:id="rId3"/>
-    <p:sldId id="259" r:id="rId4"/>
-    <p:sldId id="260" r:id="rId5"/>
+    <p:sldId id="262" r:id="rId3"/>
+    <p:sldId id="257" r:id="rId4"/>
+    <p:sldId id="259" r:id="rId5"/>
+    <p:sldId id="260" r:id="rId6"/>
   </p:sldIdLst>
   <p:sldSz cx="12192000" cy="6858000"/>
   <p:notesSz cx="6858000" cy="9144000"/>
@@ -306,7 +307,7 @@
           <a:p>
             <a:fld id="{2416D638-647D-4E11-8473-B8949EEA528F}" type="datetimeFigureOut">
               <a:rPr lang="en-US" smtClean="0"/>
-              <a:t>10/7/2023</a:t>
+              <a:t>10/11/2023</a:t>
             </a:fld>
             <a:endParaRPr lang="en-US"/>
           </a:p>
@@ -742,7 +743,7 @@
           <a:p>
             <a:fld id="{2416D638-647D-4E11-8473-B8949EEA528F}" type="datetimeFigureOut">
               <a:rPr lang="en-US" smtClean="0"/>
-              <a:t>10/7/2023</a:t>
+              <a:t>10/11/2023</a:t>
             </a:fld>
             <a:endParaRPr lang="en-US"/>
           </a:p>
@@ -992,7 +993,7 @@
           <a:p>
             <a:fld id="{2416D638-647D-4E11-8473-B8949EEA528F}" type="datetimeFigureOut">
               <a:rPr lang="en-US" smtClean="0"/>
-              <a:t>10/7/2023</a:t>
+              <a:t>10/11/2023</a:t>
             </a:fld>
             <a:endParaRPr lang="en-US"/>
           </a:p>
@@ -1300,7 +1301,7 @@
           <a:p>
             <a:fld id="{2416D638-647D-4E11-8473-B8949EEA528F}" type="datetimeFigureOut">
               <a:rPr lang="en-US" smtClean="0"/>
-              <a:t>10/7/2023</a:t>
+              <a:t>10/11/2023</a:t>
             </a:fld>
             <a:endParaRPr lang="en-US"/>
           </a:p>
@@ -1618,7 +1619,7 @@
           <a:p>
             <a:fld id="{2416D638-647D-4E11-8473-B8949EEA528F}" type="datetimeFigureOut">
               <a:rPr lang="en-US" smtClean="0"/>
-              <a:t>10/7/2023</a:t>
+              <a:t>10/11/2023</a:t>
             </a:fld>
             <a:endParaRPr lang="en-US"/>
           </a:p>
@@ -1920,7 +1921,7 @@
           <a:p>
             <a:fld id="{2416D638-647D-4E11-8473-B8949EEA528F}" type="datetimeFigureOut">
               <a:rPr lang="en-US" smtClean="0"/>
-              <a:t>10/7/2023</a:t>
+              <a:t>10/11/2023</a:t>
             </a:fld>
             <a:endParaRPr lang="en-US"/>
           </a:p>
@@ -2287,7 +2288,7 @@
           <a:p>
             <a:fld id="{2416D638-647D-4E11-8473-B8949EEA528F}" type="datetimeFigureOut">
               <a:rPr lang="en-US" smtClean="0"/>
-              <a:t>10/7/2023</a:t>
+              <a:t>10/11/2023</a:t>
             </a:fld>
             <a:endParaRPr lang="en-US"/>
           </a:p>
@@ -2461,7 +2462,7 @@
           <a:p>
             <a:fld id="{2416D638-647D-4E11-8473-B8949EEA528F}" type="datetimeFigureOut">
               <a:rPr lang="en-US" smtClean="0"/>
-              <a:t>10/7/2023</a:t>
+              <a:t>10/11/2023</a:t>
             </a:fld>
             <a:endParaRPr lang="en-US"/>
           </a:p>
@@ -2641,7 +2642,7 @@
           <a:p>
             <a:fld id="{2416D638-647D-4E11-8473-B8949EEA528F}" type="datetimeFigureOut">
               <a:rPr lang="en-US" smtClean="0"/>
-              <a:t>10/7/2023</a:t>
+              <a:t>10/11/2023</a:t>
             </a:fld>
             <a:endParaRPr lang="en-US"/>
           </a:p>
@@ -2811,7 +2812,7 @@
           <a:p>
             <a:fld id="{2416D638-647D-4E11-8473-B8949EEA528F}" type="datetimeFigureOut">
               <a:rPr lang="en-US" smtClean="0"/>
-              <a:t>10/7/2023</a:t>
+              <a:t>10/11/2023</a:t>
             </a:fld>
             <a:endParaRPr lang="en-US"/>
           </a:p>
@@ -3061,7 +3062,7 @@
           <a:p>
             <a:fld id="{2416D638-647D-4E11-8473-B8949EEA528F}" type="datetimeFigureOut">
               <a:rPr lang="en-US" smtClean="0"/>
-              <a:t>10/7/2023</a:t>
+              <a:t>10/11/2023</a:t>
             </a:fld>
             <a:endParaRPr lang="en-US"/>
           </a:p>
@@ -3297,7 +3298,7 @@
           <a:p>
             <a:fld id="{2416D638-647D-4E11-8473-B8949EEA528F}" type="datetimeFigureOut">
               <a:rPr lang="en-US" smtClean="0"/>
-              <a:t>10/7/2023</a:t>
+              <a:t>10/11/2023</a:t>
             </a:fld>
             <a:endParaRPr lang="en-US"/>
           </a:p>
@@ -3679,7 +3680,7 @@
           <a:p>
             <a:fld id="{2416D638-647D-4E11-8473-B8949EEA528F}" type="datetimeFigureOut">
               <a:rPr lang="en-US" smtClean="0"/>
-              <a:t>10/7/2023</a:t>
+              <a:t>10/11/2023</a:t>
             </a:fld>
             <a:endParaRPr lang="en-US"/>
           </a:p>
@@ -3797,7 +3798,7 @@
           <a:p>
             <a:fld id="{2416D638-647D-4E11-8473-B8949EEA528F}" type="datetimeFigureOut">
               <a:rPr lang="en-US" smtClean="0"/>
-              <a:t>10/7/2023</a:t>
+              <a:t>10/11/2023</a:t>
             </a:fld>
             <a:endParaRPr lang="en-US"/>
           </a:p>
@@ -3892,7 +3893,7 @@
           <a:p>
             <a:fld id="{2416D638-647D-4E11-8473-B8949EEA528F}" type="datetimeFigureOut">
               <a:rPr lang="en-US" smtClean="0"/>
-              <a:t>10/7/2023</a:t>
+              <a:t>10/11/2023</a:t>
             </a:fld>
             <a:endParaRPr lang="en-US"/>
           </a:p>
@@ -4147,7 +4148,7 @@
           <a:p>
             <a:fld id="{2416D638-647D-4E11-8473-B8949EEA528F}" type="datetimeFigureOut">
               <a:rPr lang="en-US" smtClean="0"/>
-              <a:t>10/7/2023</a:t>
+              <a:t>10/11/2023</a:t>
             </a:fld>
             <a:endParaRPr lang="en-US"/>
           </a:p>
@@ -4430,7 +4431,7 @@
           <a:p>
             <a:fld id="{2416D638-647D-4E11-8473-B8949EEA528F}" type="datetimeFigureOut">
               <a:rPr lang="en-US" smtClean="0"/>
-              <a:t>10/7/2023</a:t>
+              <a:t>10/11/2023</a:t>
             </a:fld>
             <a:endParaRPr lang="en-US"/>
           </a:p>
@@ -4836,7 +4837,7 @@
           <a:p>
             <a:fld id="{2416D638-647D-4E11-8473-B8949EEA528F}" type="datetimeFigureOut">
               <a:rPr lang="en-US" smtClean="0"/>
-              <a:t>10/7/2023</a:t>
+              <a:t>10/11/2023</a:t>
             </a:fld>
             <a:endParaRPr lang="en-US"/>
           </a:p>
@@ -5436,6 +5437,357 @@
       </p:grpSpPr>
       <p:sp>
         <p:nvSpPr>
+          <p:cNvPr id="6" name="Content Placeholder 2">
+            <a:extLst>
+              <a:ext uri="{FF2B5EF4-FFF2-40B4-BE49-F238E27FC236}">
+                <a16:creationId xmlns:a16="http://schemas.microsoft.com/office/drawing/2014/main" id="{6EF4A120-F741-36C7-1D50-4FCC8C29B9D3}"/>
+              </a:ext>
+            </a:extLst>
+          </p:cNvPr>
+          <p:cNvSpPr txBox="1">
+            <a:spLocks/>
+          </p:cNvSpPr>
+          <p:nvPr/>
+        </p:nvSpPr>
+        <p:spPr>
+          <a:xfrm>
+            <a:off x="1271191" y="2088812"/>
+            <a:ext cx="4936177" cy="2680375"/>
+          </a:xfrm>
+          <a:prstGeom prst="rect">
+            <a:avLst/>
+          </a:prstGeom>
+        </p:spPr>
+        <p:txBody>
+          <a:bodyPr vert="horz" lIns="91440" tIns="45720" rIns="91440" bIns="45720" rtlCol="0" anchor="ctr">
+            <a:normAutofit/>
+          </a:bodyPr>
+          <a:lstStyle>
+            <a:lvl1pPr marL="285750" indent="-285750" algn="l" defTabSz="457200" rtl="0" eaLnBrk="1" latinLnBrk="0" hangingPunct="1">
+              <a:spcBef>
+                <a:spcPct val="20000"/>
+              </a:spcBef>
+              <a:spcAft>
+                <a:spcPts val="600"/>
+              </a:spcAft>
+              <a:buClr>
+                <a:schemeClr val="tx1"/>
+              </a:buClr>
+              <a:buSzPct val="80000"/>
+              <a:buFont typeface="Wingdings 3" panose="05040102010807070707" pitchFamily="18" charset="2"/>
+              <a:buChar char=""/>
+              <a:defRPr sz="2000" kern="1200" cap="none">
+                <a:solidFill>
+                  <a:schemeClr val="bg2">
+                    <a:lumMod val="75000"/>
+                  </a:schemeClr>
+                </a:solidFill>
+                <a:effectLst/>
+                <a:latin typeface="+mn-lt"/>
+                <a:ea typeface="+mn-ea"/>
+                <a:cs typeface="+mn-cs"/>
+              </a:defRPr>
+            </a:lvl1pPr>
+            <a:lvl2pPr marL="742950" indent="-285750" algn="l" defTabSz="457200" rtl="0" eaLnBrk="1" latinLnBrk="0" hangingPunct="1">
+              <a:spcBef>
+                <a:spcPct val="20000"/>
+              </a:spcBef>
+              <a:spcAft>
+                <a:spcPts val="600"/>
+              </a:spcAft>
+              <a:buClr>
+                <a:schemeClr val="tx1"/>
+              </a:buClr>
+              <a:buSzPct val="80000"/>
+              <a:buFont typeface="Wingdings 3" panose="05040102010807070707" pitchFamily="18" charset="2"/>
+              <a:buChar char=""/>
+              <a:defRPr sz="1800" kern="1200" cap="none">
+                <a:solidFill>
+                  <a:schemeClr val="bg2">
+                    <a:lumMod val="75000"/>
+                  </a:schemeClr>
+                </a:solidFill>
+                <a:effectLst/>
+                <a:latin typeface="+mn-lt"/>
+                <a:ea typeface="+mn-ea"/>
+                <a:cs typeface="+mn-cs"/>
+              </a:defRPr>
+            </a:lvl2pPr>
+            <a:lvl3pPr marL="1200150" indent="-285750" algn="l" defTabSz="457200" rtl="0" eaLnBrk="1" latinLnBrk="0" hangingPunct="1">
+              <a:spcBef>
+                <a:spcPct val="20000"/>
+              </a:spcBef>
+              <a:spcAft>
+                <a:spcPts val="600"/>
+              </a:spcAft>
+              <a:buClr>
+                <a:schemeClr val="tx1"/>
+              </a:buClr>
+              <a:buSzPct val="80000"/>
+              <a:buFont typeface="Wingdings 3" panose="05040102010807070707" pitchFamily="18" charset="2"/>
+              <a:buChar char=""/>
+              <a:defRPr sz="1600" kern="1200" cap="none">
+                <a:solidFill>
+                  <a:schemeClr val="bg2">
+                    <a:lumMod val="75000"/>
+                  </a:schemeClr>
+                </a:solidFill>
+                <a:effectLst/>
+                <a:latin typeface="+mn-lt"/>
+                <a:ea typeface="+mn-ea"/>
+                <a:cs typeface="+mn-cs"/>
+              </a:defRPr>
+            </a:lvl3pPr>
+            <a:lvl4pPr marL="1543050" indent="-171450" algn="l" defTabSz="457200" rtl="0" eaLnBrk="1" latinLnBrk="0" hangingPunct="1">
+              <a:spcBef>
+                <a:spcPct val="20000"/>
+              </a:spcBef>
+              <a:spcAft>
+                <a:spcPts val="600"/>
+              </a:spcAft>
+              <a:buClr>
+                <a:schemeClr val="tx1"/>
+              </a:buClr>
+              <a:buSzPct val="80000"/>
+              <a:buFont typeface="Wingdings 3" panose="05040102010807070707" pitchFamily="18" charset="2"/>
+              <a:buChar char=""/>
+              <a:defRPr sz="1400" kern="1200" cap="none">
+                <a:solidFill>
+                  <a:schemeClr val="bg2">
+                    <a:lumMod val="75000"/>
+                  </a:schemeClr>
+                </a:solidFill>
+                <a:effectLst/>
+                <a:latin typeface="+mn-lt"/>
+                <a:ea typeface="+mn-ea"/>
+                <a:cs typeface="+mn-cs"/>
+              </a:defRPr>
+            </a:lvl4pPr>
+            <a:lvl5pPr marL="2000250" indent="-171450" algn="l" defTabSz="457200" rtl="0" eaLnBrk="1" latinLnBrk="0" hangingPunct="1">
+              <a:spcBef>
+                <a:spcPct val="20000"/>
+              </a:spcBef>
+              <a:spcAft>
+                <a:spcPts val="600"/>
+              </a:spcAft>
+              <a:buClr>
+                <a:schemeClr val="tx1"/>
+              </a:buClr>
+              <a:buSzPct val="80000"/>
+              <a:buFont typeface="Wingdings 3" panose="05040102010807070707" pitchFamily="18" charset="2"/>
+              <a:buChar char=""/>
+              <a:defRPr sz="1400" kern="1200" cap="none">
+                <a:solidFill>
+                  <a:schemeClr val="bg2">
+                    <a:lumMod val="75000"/>
+                  </a:schemeClr>
+                </a:solidFill>
+                <a:effectLst/>
+                <a:latin typeface="+mn-lt"/>
+                <a:ea typeface="+mn-ea"/>
+                <a:cs typeface="+mn-cs"/>
+              </a:defRPr>
+            </a:lvl5pPr>
+            <a:lvl6pPr marL="2514600" indent="-228600" algn="l" defTabSz="457200" rtl="0" eaLnBrk="1" latinLnBrk="0" hangingPunct="1">
+              <a:spcBef>
+                <a:spcPct val="20000"/>
+              </a:spcBef>
+              <a:spcAft>
+                <a:spcPts val="600"/>
+              </a:spcAft>
+              <a:buClr>
+                <a:schemeClr val="tx1"/>
+              </a:buClr>
+              <a:buSzPct val="80000"/>
+              <a:buFont typeface="Wingdings 3" panose="05040102010807070707" pitchFamily="18" charset="2"/>
+              <a:buChar char=""/>
+              <a:defRPr sz="1400" kern="1200" cap="none">
+                <a:solidFill>
+                  <a:schemeClr val="bg2">
+                    <a:lumMod val="75000"/>
+                  </a:schemeClr>
+                </a:solidFill>
+                <a:effectLst/>
+                <a:latin typeface="+mn-lt"/>
+                <a:ea typeface="+mn-ea"/>
+                <a:cs typeface="+mn-cs"/>
+              </a:defRPr>
+            </a:lvl6pPr>
+            <a:lvl7pPr marL="2971800" indent="-228600" algn="l" defTabSz="457200" rtl="0" eaLnBrk="1" latinLnBrk="0" hangingPunct="1">
+              <a:spcBef>
+                <a:spcPct val="20000"/>
+              </a:spcBef>
+              <a:spcAft>
+                <a:spcPts val="600"/>
+              </a:spcAft>
+              <a:buClr>
+                <a:schemeClr val="tx1"/>
+              </a:buClr>
+              <a:buSzPct val="80000"/>
+              <a:buFont typeface="Wingdings 3" panose="05040102010807070707" pitchFamily="18" charset="2"/>
+              <a:buChar char=""/>
+              <a:defRPr sz="1400" kern="1200" cap="none">
+                <a:solidFill>
+                  <a:schemeClr val="bg2">
+                    <a:lumMod val="75000"/>
+                  </a:schemeClr>
+                </a:solidFill>
+                <a:effectLst/>
+                <a:latin typeface="+mn-lt"/>
+                <a:ea typeface="+mn-ea"/>
+                <a:cs typeface="+mn-cs"/>
+              </a:defRPr>
+            </a:lvl7pPr>
+            <a:lvl8pPr marL="3429000" indent="-228600" algn="l" defTabSz="457200" rtl="0" eaLnBrk="1" latinLnBrk="0" hangingPunct="1">
+              <a:spcBef>
+                <a:spcPct val="20000"/>
+              </a:spcBef>
+              <a:spcAft>
+                <a:spcPts val="600"/>
+              </a:spcAft>
+              <a:buClr>
+                <a:schemeClr val="tx1"/>
+              </a:buClr>
+              <a:buSzPct val="80000"/>
+              <a:buFont typeface="Wingdings 3" panose="05040102010807070707" pitchFamily="18" charset="2"/>
+              <a:buChar char=""/>
+              <a:defRPr sz="1400" kern="1200" cap="none">
+                <a:solidFill>
+                  <a:schemeClr val="bg2">
+                    <a:lumMod val="75000"/>
+                  </a:schemeClr>
+                </a:solidFill>
+                <a:effectLst/>
+                <a:latin typeface="+mn-lt"/>
+                <a:ea typeface="+mn-ea"/>
+                <a:cs typeface="+mn-cs"/>
+              </a:defRPr>
+            </a:lvl8pPr>
+            <a:lvl9pPr marL="3886200" indent="-228600" algn="l" defTabSz="457200" rtl="0" eaLnBrk="1" latinLnBrk="0" hangingPunct="1">
+              <a:spcBef>
+                <a:spcPct val="20000"/>
+              </a:spcBef>
+              <a:spcAft>
+                <a:spcPts val="600"/>
+              </a:spcAft>
+              <a:buClr>
+                <a:schemeClr val="tx1"/>
+              </a:buClr>
+              <a:buSzPct val="80000"/>
+              <a:buFont typeface="Wingdings 3" panose="05040102010807070707" pitchFamily="18" charset="2"/>
+              <a:buChar char=""/>
+              <a:defRPr sz="1400" kern="1200" cap="none">
+                <a:solidFill>
+                  <a:schemeClr val="bg2">
+                    <a:lumMod val="75000"/>
+                  </a:schemeClr>
+                </a:solidFill>
+                <a:effectLst/>
+                <a:latin typeface="+mn-lt"/>
+                <a:ea typeface="+mn-ea"/>
+                <a:cs typeface="+mn-cs"/>
+              </a:defRPr>
+            </a:lvl9pPr>
+          </a:lstStyle>
+          <a:p>
+            <a:r>
+              <a:rPr lang="en-US" dirty="0"/>
+              <a:t>REST vs GraphQL</a:t>
+            </a:r>
+          </a:p>
+          <a:p>
+            <a:r>
+              <a:rPr lang="en-US" dirty="0"/>
+              <a:t>Domain Graph System (DGS)</a:t>
+            </a:r>
+          </a:p>
+          <a:p>
+            <a:r>
+              <a:rPr lang="en-US" dirty="0"/>
+              <a:t>REST to GraphQL</a:t>
+            </a:r>
+          </a:p>
+          <a:p>
+            <a:r>
+              <a:rPr lang="en-US" dirty="0"/>
+              <a:t>Demo</a:t>
+            </a:r>
+          </a:p>
+          <a:p>
+            <a:r>
+              <a:rPr lang="en-US" dirty="0"/>
+              <a:t>Apollo Federation</a:t>
+            </a:r>
+          </a:p>
+        </p:txBody>
+      </p:sp>
+      <p:sp>
+        <p:nvSpPr>
+          <p:cNvPr id="7" name="TextBox 6">
+            <a:extLst>
+              <a:ext uri="{FF2B5EF4-FFF2-40B4-BE49-F238E27FC236}">
+                <a16:creationId xmlns:a16="http://schemas.microsoft.com/office/drawing/2014/main" id="{65950906-AA4D-8495-2C73-AEEA600D6D92}"/>
+              </a:ext>
+            </a:extLst>
+          </p:cNvPr>
+          <p:cNvSpPr txBox="1"/>
+          <p:nvPr/>
+        </p:nvSpPr>
+        <p:spPr>
+          <a:xfrm>
+            <a:off x="5070687" y="275183"/>
+            <a:ext cx="2050625" cy="830997"/>
+          </a:xfrm>
+          <a:prstGeom prst="rect">
+            <a:avLst/>
+          </a:prstGeom>
+          <a:noFill/>
+        </p:spPr>
+        <p:txBody>
+          <a:bodyPr wrap="square" rtlCol="0">
+            <a:spAutoFit/>
+          </a:bodyPr>
+          <a:lstStyle/>
+          <a:p>
+            <a:r>
+              <a:rPr lang="en-US" sz="4800" dirty="0"/>
+              <a:t>Topics</a:t>
+            </a:r>
+          </a:p>
+        </p:txBody>
+      </p:sp>
+    </p:spTree>
+    <p:extLst>
+      <p:ext uri="{BB962C8B-B14F-4D97-AF65-F5344CB8AC3E}">
+        <p14:creationId xmlns:p14="http://schemas.microsoft.com/office/powerpoint/2010/main" val="3695323278"/>
+      </p:ext>
+    </p:extLst>
+  </p:cSld>
+  <p:clrMapOvr>
+    <a:masterClrMapping/>
+  </p:clrMapOvr>
+</p:sld>
+</file>
+
+<file path=ppt/slides/slide3.xml><?xml version="1.0" encoding="utf-8"?>
+<p:sld xmlns:a="http://schemas.openxmlformats.org/drawingml/2006/main" xmlns:r="http://schemas.openxmlformats.org/officeDocument/2006/relationships" xmlns:p="http://schemas.openxmlformats.org/presentationml/2006/main">
+  <p:cSld>
+    <p:spTree>
+      <p:nvGrpSpPr>
+        <p:cNvPr id="1" name=""/>
+        <p:cNvGrpSpPr/>
+        <p:nvPr/>
+      </p:nvGrpSpPr>
+      <p:grpSpPr>
+        <a:xfrm>
+          <a:off x="0" y="0"/>
+          <a:ext cx="0" cy="0"/>
+          <a:chOff x="0" y="0"/>
+          <a:chExt cx="0" cy="0"/>
+        </a:xfrm>
+      </p:grpSpPr>
+      <p:sp>
+        <p:nvSpPr>
           <p:cNvPr id="3" name="Content Placeholder 2">
             <a:extLst>
               <a:ext uri="{FF2B5EF4-FFF2-40B4-BE49-F238E27FC236}">
@@ -5907,7 +6259,7 @@
 </p:sld>
 </file>
 
-<file path=ppt/slides/slide3.xml><?xml version="1.0" encoding="utf-8"?>
+<file path=ppt/slides/slide4.xml><?xml version="1.0" encoding="utf-8"?>
 <p:sld xmlns:a="http://schemas.openxmlformats.org/drawingml/2006/main" xmlns:r="http://schemas.openxmlformats.org/officeDocument/2006/relationships" xmlns:p="http://schemas.openxmlformats.org/presentationml/2006/main">
   <p:cSld>
     <p:spTree>
@@ -6296,7 +6648,7 @@
 </p:sld>
 </file>
 
-<file path=ppt/slides/slide4.xml><?xml version="1.0" encoding="utf-8"?>
+<file path=ppt/slides/slide5.xml><?xml version="1.0" encoding="utf-8"?>
 <p:sld xmlns:a="http://schemas.openxmlformats.org/drawingml/2006/main" xmlns:r="http://schemas.openxmlformats.org/officeDocument/2006/relationships" xmlns:p="http://schemas.openxmlformats.org/presentationml/2006/main">
   <p:cSld>
     <p:spTree>

--- a/DGS-GraphQL.pptx
+++ b/DGS-GraphQL.pptx
@@ -5849,7 +5849,7 @@
             <a:pPr lvl="1"/>
             <a:r>
               <a:rPr lang="en-US" dirty="0"/>
-              <a:t>Http &amp; GraphQL clients (Apollo)</a:t>
+              <a:t>HTTP &amp; GraphQL clients (Apollo)</a:t>
             </a:r>
           </a:p>
         </p:txBody>
@@ -6627,7 +6627,7 @@
         </p:blipFill>
         <p:spPr>
           <a:xfrm>
-            <a:off x="814754" y="4271106"/>
+            <a:off x="6265985" y="4253521"/>
             <a:ext cx="4258594" cy="2438766"/>
           </a:xfrm>
           <a:prstGeom prst="rect">
